--- a/statement-block-identifier.pptx
+++ b/statement-block-identifier.pptx
@@ -14,12 +14,14 @@
     <p:sldId id="264" r:id="rId8"/>
     <p:sldId id="265" r:id="rId9"/>
     <p:sldId id="266" r:id="rId10"/>
-    <p:sldId id="267" r:id="rId11"/>
-    <p:sldId id="268" r:id="rId12"/>
-    <p:sldId id="269" r:id="rId13"/>
-    <p:sldId id="258" r:id="rId14"/>
-    <p:sldId id="270" r:id="rId15"/>
-    <p:sldId id="259" r:id="rId16"/>
+    <p:sldId id="271" r:id="rId11"/>
+    <p:sldId id="267" r:id="rId12"/>
+    <p:sldId id="268" r:id="rId13"/>
+    <p:sldId id="269" r:id="rId14"/>
+    <p:sldId id="258" r:id="rId15"/>
+    <p:sldId id="272" r:id="rId16"/>
+    <p:sldId id="270" r:id="rId17"/>
+    <p:sldId id="259" r:id="rId18"/>
   </p:sldIdLst>
   <p:sldSz cx="12192000" cy="6858000"/>
   <p:notesSz cx="6858000" cy="9144000"/>
@@ -118,6 +120,11 @@
       </a:defRPr>
     </a:lvl9pPr>
   </p:defaultTextStyle>
+  <p:extLst>
+    <p:ext uri="{EFAFB233-063F-42B5-8137-9DF3F51BA10A}">
+      <p15:sldGuideLst xmlns:p15="http://schemas.microsoft.com/office/powerpoint/2012/main"/>
+    </p:ext>
+  </p:extLst>
 </p:presentation>
 </file>
 
@@ -268,7 +275,7 @@
           <a:p>
             <a:fld id="{51FC7BC2-2286-47FE-ABA4-1B8BF86DB0F2}" type="datetimeFigureOut">
               <a:rPr lang="en-US" smtClean="0"/>
-              <a:t>9/17/2020</a:t>
+              <a:t>9/18/2020</a:t>
             </a:fld>
             <a:endParaRPr lang="en-US"/>
           </a:p>
@@ -466,7 +473,7 @@
           <a:p>
             <a:fld id="{51FC7BC2-2286-47FE-ABA4-1B8BF86DB0F2}" type="datetimeFigureOut">
               <a:rPr lang="en-US" smtClean="0"/>
-              <a:t>9/17/2020</a:t>
+              <a:t>9/18/2020</a:t>
             </a:fld>
             <a:endParaRPr lang="en-US"/>
           </a:p>
@@ -674,7 +681,7 @@
           <a:p>
             <a:fld id="{51FC7BC2-2286-47FE-ABA4-1B8BF86DB0F2}" type="datetimeFigureOut">
               <a:rPr lang="en-US" smtClean="0"/>
-              <a:t>9/17/2020</a:t>
+              <a:t>9/18/2020</a:t>
             </a:fld>
             <a:endParaRPr lang="en-US"/>
           </a:p>
@@ -872,7 +879,7 @@
           <a:p>
             <a:fld id="{51FC7BC2-2286-47FE-ABA4-1B8BF86DB0F2}" type="datetimeFigureOut">
               <a:rPr lang="en-US" smtClean="0"/>
-              <a:t>9/17/2020</a:t>
+              <a:t>9/18/2020</a:t>
             </a:fld>
             <a:endParaRPr lang="en-US"/>
           </a:p>
@@ -1147,7 +1154,7 @@
           <a:p>
             <a:fld id="{51FC7BC2-2286-47FE-ABA4-1B8BF86DB0F2}" type="datetimeFigureOut">
               <a:rPr lang="en-US" smtClean="0"/>
-              <a:t>9/17/2020</a:t>
+              <a:t>9/18/2020</a:t>
             </a:fld>
             <a:endParaRPr lang="en-US"/>
           </a:p>
@@ -1412,7 +1419,7 @@
           <a:p>
             <a:fld id="{51FC7BC2-2286-47FE-ABA4-1B8BF86DB0F2}" type="datetimeFigureOut">
               <a:rPr lang="en-US" smtClean="0"/>
-              <a:t>9/17/2020</a:t>
+              <a:t>9/18/2020</a:t>
             </a:fld>
             <a:endParaRPr lang="en-US"/>
           </a:p>
@@ -1824,7 +1831,7 @@
           <a:p>
             <a:fld id="{51FC7BC2-2286-47FE-ABA4-1B8BF86DB0F2}" type="datetimeFigureOut">
               <a:rPr lang="en-US" smtClean="0"/>
-              <a:t>9/17/2020</a:t>
+              <a:t>9/18/2020</a:t>
             </a:fld>
             <a:endParaRPr lang="en-US"/>
           </a:p>
@@ -1965,7 +1972,7 @@
           <a:p>
             <a:fld id="{51FC7BC2-2286-47FE-ABA4-1B8BF86DB0F2}" type="datetimeFigureOut">
               <a:rPr lang="en-US" smtClean="0"/>
-              <a:t>9/17/2020</a:t>
+              <a:t>9/18/2020</a:t>
             </a:fld>
             <a:endParaRPr lang="en-US"/>
           </a:p>
@@ -2078,7 +2085,7 @@
           <a:p>
             <a:fld id="{51FC7BC2-2286-47FE-ABA4-1B8BF86DB0F2}" type="datetimeFigureOut">
               <a:rPr lang="en-US" smtClean="0"/>
-              <a:t>9/17/2020</a:t>
+              <a:t>9/18/2020</a:t>
             </a:fld>
             <a:endParaRPr lang="en-US"/>
           </a:p>
@@ -2389,7 +2396,7 @@
           <a:p>
             <a:fld id="{51FC7BC2-2286-47FE-ABA4-1B8BF86DB0F2}" type="datetimeFigureOut">
               <a:rPr lang="en-US" smtClean="0"/>
-              <a:t>9/17/2020</a:t>
+              <a:t>9/18/2020</a:t>
             </a:fld>
             <a:endParaRPr lang="en-US"/>
           </a:p>
@@ -2677,7 +2684,7 @@
           <a:p>
             <a:fld id="{51FC7BC2-2286-47FE-ABA4-1B8BF86DB0F2}" type="datetimeFigureOut">
               <a:rPr lang="en-US" smtClean="0"/>
-              <a:t>9/17/2020</a:t>
+              <a:t>9/18/2020</a:t>
             </a:fld>
             <a:endParaRPr lang="en-US"/>
           </a:p>
@@ -2918,7 +2925,7 @@
           <a:p>
             <a:fld id="{51FC7BC2-2286-47FE-ABA4-1B8BF86DB0F2}" type="datetimeFigureOut">
               <a:rPr lang="en-US" smtClean="0"/>
-              <a:t>9/17/2020</a:t>
+              <a:t>9/18/2020</a:t>
             </a:fld>
             <a:endParaRPr lang="en-US"/>
           </a:p>
@@ -3398,7 +3405,7 @@
           <p:cNvPr id="2" name="Title 1">
             <a:extLst>
               <a:ext uri="{FF2B5EF4-FFF2-40B4-BE49-F238E27FC236}">
-                <a16:creationId xmlns:a16="http://schemas.microsoft.com/office/drawing/2014/main" id="{7765631D-6830-4749-BC15-34194E7D4C21}"/>
+                <a16:creationId xmlns:a16="http://schemas.microsoft.com/office/drawing/2014/main" id="{07AD48F7-4C0A-491A-9182-D8CAD9CEB2BE}"/>
               </a:ext>
             </a:extLst>
           </p:cNvPr>
@@ -3416,7 +3423,7 @@
           <a:p>
             <a:r>
               <a:rPr lang="en-US" dirty="0"/>
-              <a:t>Identifiers</a:t>
+              <a:t>Static &amp; Instance Block</a:t>
             </a:r>
           </a:p>
         </p:txBody>
@@ -3426,7 +3433,7 @@
           <p:cNvPr id="3" name="Content Placeholder 2">
             <a:extLst>
               <a:ext uri="{FF2B5EF4-FFF2-40B4-BE49-F238E27FC236}">
-                <a16:creationId xmlns:a16="http://schemas.microsoft.com/office/drawing/2014/main" id="{6C9B7A56-D595-4640-9001-C95A2F2DDF14}"/>
+                <a16:creationId xmlns:a16="http://schemas.microsoft.com/office/drawing/2014/main" id="{668F7A9A-35AB-46EB-B7A9-3E721EB36916}"/>
               </a:ext>
             </a:extLst>
           </p:cNvPr>
@@ -3443,191 +3450,22 @@
           <a:lstStyle/>
           <a:p>
             <a:r>
-              <a:rPr lang="en-US" b="0" i="0" dirty="0">
-                <a:solidFill>
-                  <a:srgbClr val="404040"/>
-                </a:solidFill>
-                <a:effectLst/>
-                <a:latin typeface="Times New Roman" panose="02020603050405020304" pitchFamily="18" charset="0"/>
-              </a:rPr>
-              <a:t>An </a:t>
-            </a:r>
-            <a:r>
-              <a:rPr lang="en-US" b="0" i="1" dirty="0">
-                <a:solidFill>
-                  <a:srgbClr val="404040"/>
-                </a:solidFill>
-                <a:effectLst/>
-                <a:latin typeface="Times New Roman" panose="02020603050405020304" pitchFamily="18" charset="0"/>
-              </a:rPr>
-              <a:t>identifier</a:t>
-            </a:r>
-            <a:r>
-              <a:rPr lang="en-US" b="0" i="0" dirty="0">
-                <a:solidFill>
-                  <a:srgbClr val="404040"/>
-                </a:solidFill>
-                <a:effectLst/>
-                <a:latin typeface="Times New Roman" panose="02020603050405020304" pitchFamily="18" charset="0"/>
-              </a:rPr>
-              <a:t> is a word that you make up to refer to a Java programming element by name</a:t>
-            </a:r>
-          </a:p>
-          <a:p>
-            <a:r>
-              <a:rPr lang="en-US" dirty="0">
-                <a:solidFill>
-                  <a:srgbClr val="404040"/>
-                </a:solidFill>
-                <a:latin typeface="Times New Roman" panose="02020603050405020304" pitchFamily="18" charset="0"/>
-              </a:rPr>
-              <a:t>Identifiers Used:</a:t>
-            </a:r>
-          </a:p>
-          <a:p>
-            <a:pPr marL="457200" lvl="1" indent="0" algn="just">
-              <a:buNone/>
-            </a:pPr>
-            <a:r>
-              <a:rPr lang="en-US" dirty="0">
-                <a:solidFill>
-                  <a:srgbClr val="404040"/>
-                </a:solidFill>
-                <a:latin typeface="Times New Roman" panose="02020603050405020304" pitchFamily="18" charset="0"/>
-              </a:rPr>
-              <a:t>1. with </a:t>
-            </a:r>
-            <a:r>
-              <a:rPr lang="en-US" dirty="0" err="1">
-                <a:solidFill>
-                  <a:srgbClr val="404040"/>
-                </a:solidFill>
-                <a:latin typeface="Times New Roman" panose="02020603050405020304" pitchFamily="18" charset="0"/>
-              </a:rPr>
-              <a:t>className</a:t>
-            </a:r>
-            <a:r>
-              <a:rPr lang="en-US" dirty="0">
-                <a:solidFill>
-                  <a:srgbClr val="404040"/>
-                </a:solidFill>
-                <a:latin typeface="Times New Roman" panose="02020603050405020304" pitchFamily="18" charset="0"/>
-              </a:rPr>
-              <a:t>:</a:t>
-            </a:r>
-          </a:p>
-          <a:p>
-            <a:pPr marL="457200" lvl="1" indent="0" algn="just">
-              <a:buNone/>
-            </a:pPr>
-            <a:r>
-              <a:rPr lang="en-US" dirty="0">
-                <a:solidFill>
-                  <a:srgbClr val="404040"/>
-                </a:solidFill>
-                <a:latin typeface="Times New Roman" panose="02020603050405020304" pitchFamily="18" charset="0"/>
-              </a:rPr>
-              <a:t>2. With </a:t>
-            </a:r>
-            <a:r>
-              <a:rPr lang="en-US" dirty="0" err="1">
-                <a:solidFill>
-                  <a:srgbClr val="404040"/>
-                </a:solidFill>
-                <a:latin typeface="Times New Roman" panose="02020603050405020304" pitchFamily="18" charset="0"/>
-              </a:rPr>
-              <a:t>methodName</a:t>
-            </a:r>
-            <a:r>
-              <a:rPr lang="en-US" dirty="0">
-                <a:solidFill>
-                  <a:srgbClr val="404040"/>
-                </a:solidFill>
-                <a:latin typeface="Times New Roman" panose="02020603050405020304" pitchFamily="18" charset="0"/>
-              </a:rPr>
-              <a:t>:</a:t>
-            </a:r>
-          </a:p>
-          <a:p>
-            <a:pPr marL="457200" lvl="1" indent="0" algn="just">
-              <a:buNone/>
-            </a:pPr>
-            <a:r>
-              <a:rPr lang="en-US" dirty="0">
-                <a:solidFill>
-                  <a:srgbClr val="404040"/>
-                </a:solidFill>
-                <a:latin typeface="Times New Roman" panose="02020603050405020304" pitchFamily="18" charset="0"/>
-              </a:rPr>
-              <a:t>3. With </a:t>
-            </a:r>
-            <a:r>
-              <a:rPr lang="en-US" dirty="0" err="1">
-                <a:solidFill>
-                  <a:srgbClr val="404040"/>
-                </a:solidFill>
-                <a:latin typeface="Times New Roman" panose="02020603050405020304" pitchFamily="18" charset="0"/>
-              </a:rPr>
-              <a:t>variableName</a:t>
-            </a:r>
-            <a:r>
-              <a:rPr lang="en-US" dirty="0">
-                <a:solidFill>
-                  <a:srgbClr val="404040"/>
-                </a:solidFill>
-                <a:latin typeface="Times New Roman" panose="02020603050405020304" pitchFamily="18" charset="0"/>
-              </a:rPr>
-              <a:t>;</a:t>
-            </a:r>
-          </a:p>
-          <a:p>
-            <a:pPr marL="457200" lvl="1" indent="0" algn="just">
-              <a:buNone/>
-            </a:pPr>
-            <a:r>
-              <a:rPr lang="en-US" dirty="0">
-                <a:solidFill>
-                  <a:srgbClr val="404040"/>
-                </a:solidFill>
-                <a:latin typeface="Times New Roman" panose="02020603050405020304" pitchFamily="18" charset="0"/>
-              </a:rPr>
-              <a:t>4. With method or constructor parameters.</a:t>
-            </a:r>
-          </a:p>
-          <a:p>
-            <a:pPr marL="457200" lvl="1" indent="0" algn="just">
-              <a:buNone/>
-            </a:pPr>
-            <a:endParaRPr lang="en-US" dirty="0">
-              <a:solidFill>
-                <a:srgbClr val="404040"/>
-              </a:solidFill>
-              <a:latin typeface="Times New Roman" panose="02020603050405020304" pitchFamily="18" charset="0"/>
-            </a:endParaRPr>
-          </a:p>
-          <a:p>
-            <a:pPr marL="457200" lvl="1" indent="0" algn="just">
-              <a:buNone/>
-            </a:pPr>
-            <a:endParaRPr lang="en-US" dirty="0">
-              <a:solidFill>
-                <a:srgbClr val="404040"/>
-              </a:solidFill>
-              <a:latin typeface="Times New Roman" panose="02020603050405020304" pitchFamily="18" charset="0"/>
-            </a:endParaRPr>
-          </a:p>
-          <a:p>
-            <a:pPr marL="457200" lvl="1" indent="0" algn="just">
-              <a:buNone/>
-            </a:pPr>
-            <a:endParaRPr lang="en-US" dirty="0"/>
+              <a:rPr lang="en-US" dirty="0"/>
+              <a:t> static block executes only once when class loaded.</a:t>
+            </a:r>
+          </a:p>
+          <a:p>
+            <a:r>
+              <a:rPr lang="en-US" dirty="0"/>
+              <a:t>Non-static block executes whenever we create object.</a:t>
+            </a:r>
           </a:p>
         </p:txBody>
       </p:sp>
     </p:spTree>
     <p:extLst>
       <p:ext uri="{BB962C8B-B14F-4D97-AF65-F5344CB8AC3E}">
-        <p14:creationId xmlns:p14="http://schemas.microsoft.com/office/powerpoint/2010/main" val="1716809677"/>
+        <p14:creationId xmlns:p14="http://schemas.microsoft.com/office/powerpoint/2010/main" val="2571157237"/>
       </p:ext>
     </p:extLst>
   </p:cSld>
@@ -3659,7 +3497,7 @@
           <p:cNvPr id="2" name="Title 1">
             <a:extLst>
               <a:ext uri="{FF2B5EF4-FFF2-40B4-BE49-F238E27FC236}">
-                <a16:creationId xmlns:a16="http://schemas.microsoft.com/office/drawing/2014/main" id="{4F59B5A0-AB24-4C1D-BF70-16D1B3B00EC4}"/>
+                <a16:creationId xmlns:a16="http://schemas.microsoft.com/office/drawing/2014/main" id="{7765631D-6830-4749-BC15-34194E7D4C21}"/>
               </a:ext>
             </a:extLst>
           </p:cNvPr>
@@ -3677,7 +3515,7 @@
           <a:p>
             <a:r>
               <a:rPr lang="en-US" dirty="0"/>
-              <a:t>Identifier Rules</a:t>
+              <a:t>Identifiers</a:t>
             </a:r>
           </a:p>
         </p:txBody>
@@ -3687,7 +3525,7 @@
           <p:cNvPr id="3" name="Content Placeholder 2">
             <a:extLst>
               <a:ext uri="{FF2B5EF4-FFF2-40B4-BE49-F238E27FC236}">
-                <a16:creationId xmlns:a16="http://schemas.microsoft.com/office/drawing/2014/main" id="{804C763A-4962-4FC4-B2FC-63D64B7E5727}"/>
+                <a16:creationId xmlns:a16="http://schemas.microsoft.com/office/drawing/2014/main" id="{6C9B7A56-D595-4640-9001-C95A2F2DDF14}"/>
               </a:ext>
             </a:extLst>
           </p:cNvPr>
@@ -3700,82 +3538,205 @@
         </p:nvSpPr>
         <p:spPr/>
         <p:txBody>
-          <a:bodyPr>
-            <a:normAutofit lnSpcReduction="10000"/>
-          </a:bodyPr>
-          <a:lstStyle/>
-          <a:p>
-            <a:r>
-              <a:rPr lang="en-US" b="1" dirty="0"/>
-              <a:t>Case sensitive: </a:t>
-            </a:r>
-          </a:p>
-          <a:p>
-            <a:r>
-              <a:rPr lang="en-US" dirty="0"/>
-              <a:t>Example: int age = 10;  int Age = 10; Both are different.</a:t>
-            </a:r>
-          </a:p>
-          <a:p>
-            <a:r>
-              <a:rPr lang="en-US" b="1" dirty="0"/>
-              <a:t>Starts with letter: </a:t>
-            </a:r>
-          </a:p>
-          <a:p>
-            <a:r>
-              <a:rPr lang="en-US" dirty="0"/>
-              <a:t>Example:  int a15 = 100; (valid) , int 13y = 45;</a:t>
-            </a:r>
-          </a:p>
-          <a:p>
-            <a:r>
-              <a:rPr lang="en-US" b="1" dirty="0"/>
-              <a:t>Can’t be a java keyword</a:t>
-            </a:r>
-          </a:p>
-          <a:p>
-            <a:r>
-              <a:rPr lang="en-US" dirty="0"/>
-              <a:t>Example: int static = 10; (invalid)</a:t>
-            </a:r>
-          </a:p>
-          <a:p>
-            <a:r>
-              <a:rPr lang="en-US" b="1" dirty="0"/>
-              <a:t>Can be made up of upper- or lowercase letters, numerals, underscore characters ( ), and dollar signs ( $ ). </a:t>
-            </a:r>
-          </a:p>
-          <a:p>
-            <a:r>
-              <a:rPr lang="en-US" b="1" dirty="0"/>
-              <a:t>Example: </a:t>
-            </a:r>
-            <a:r>
-              <a:rPr lang="en-US" dirty="0"/>
-              <a:t>names such as Port1, </a:t>
-            </a:r>
-            <a:r>
-              <a:rPr lang="en-US" dirty="0" err="1"/>
-              <a:t>SalesTax</a:t>
-            </a:r>
-            <a:r>
-              <a:rPr lang="en-US" dirty="0"/>
-              <a:t>$, and </a:t>
-            </a:r>
-            <a:r>
-              <a:rPr lang="en-US" dirty="0" err="1"/>
-              <a:t>Total_Sales</a:t>
-            </a:r>
-            <a:r>
-              <a:rPr lang="en-US" dirty="0"/>
-              <a:t>.</a:t>
-            </a:r>
-          </a:p>
-          <a:p>
-            <a:endParaRPr lang="en-US" dirty="0"/>
-          </a:p>
-          <a:p>
+          <a:bodyPr/>
+          <a:lstStyle/>
+          <a:p>
+            <a:r>
+              <a:rPr lang="en-US" b="0" i="0" dirty="0">
+                <a:solidFill>
+                  <a:srgbClr val="404040"/>
+                </a:solidFill>
+                <a:effectLst/>
+                <a:latin typeface="Times New Roman" panose="02020603050405020304" pitchFamily="18" charset="0"/>
+              </a:rPr>
+              <a:t>An </a:t>
+            </a:r>
+            <a:r>
+              <a:rPr lang="en-US" b="0" i="1" dirty="0">
+                <a:solidFill>
+                  <a:srgbClr val="404040"/>
+                </a:solidFill>
+                <a:effectLst/>
+                <a:latin typeface="Times New Roman" panose="02020603050405020304" pitchFamily="18" charset="0"/>
+              </a:rPr>
+              <a:t>identifier</a:t>
+            </a:r>
+            <a:r>
+              <a:rPr lang="en-US" b="0" i="0" dirty="0">
+                <a:solidFill>
+                  <a:srgbClr val="404040"/>
+                </a:solidFill>
+                <a:effectLst/>
+                <a:latin typeface="Times New Roman" panose="02020603050405020304" pitchFamily="18" charset="0"/>
+              </a:rPr>
+              <a:t> is a word that you make up to refer to a Java programming element by name</a:t>
+            </a:r>
+          </a:p>
+          <a:p>
+            <a:r>
+              <a:rPr lang="en-US" dirty="0">
+                <a:solidFill>
+                  <a:srgbClr val="404040"/>
+                </a:solidFill>
+                <a:latin typeface="Times New Roman" panose="02020603050405020304" pitchFamily="18" charset="0"/>
+              </a:rPr>
+              <a:t>Identifiers Used:</a:t>
+            </a:r>
+          </a:p>
+          <a:p>
+            <a:pPr marL="457200" lvl="1" indent="0" algn="just">
+              <a:buNone/>
+            </a:pPr>
+            <a:r>
+              <a:rPr lang="en-US" dirty="0">
+                <a:solidFill>
+                  <a:srgbClr val="404040"/>
+                </a:solidFill>
+                <a:latin typeface="Times New Roman" panose="02020603050405020304" pitchFamily="18" charset="0"/>
+              </a:rPr>
+              <a:t>1. with </a:t>
+            </a:r>
+            <a:r>
+              <a:rPr lang="en-US" dirty="0" err="1">
+                <a:solidFill>
+                  <a:srgbClr val="404040"/>
+                </a:solidFill>
+                <a:latin typeface="Times New Roman" panose="02020603050405020304" pitchFamily="18" charset="0"/>
+              </a:rPr>
+              <a:t>className</a:t>
+            </a:r>
+            <a:r>
+              <a:rPr lang="en-US" dirty="0">
+                <a:solidFill>
+                  <a:srgbClr val="404040"/>
+                </a:solidFill>
+                <a:latin typeface="Times New Roman" panose="02020603050405020304" pitchFamily="18" charset="0"/>
+              </a:rPr>
+              <a:t>:</a:t>
+            </a:r>
+          </a:p>
+          <a:p>
+            <a:pPr marL="457200" lvl="1" indent="0" algn="just">
+              <a:buNone/>
+            </a:pPr>
+            <a:r>
+              <a:rPr lang="en-US" dirty="0">
+                <a:solidFill>
+                  <a:srgbClr val="404040"/>
+                </a:solidFill>
+                <a:latin typeface="Times New Roman" panose="02020603050405020304" pitchFamily="18" charset="0"/>
+              </a:rPr>
+              <a:t>2. With </a:t>
+            </a:r>
+            <a:r>
+              <a:rPr lang="en-US" dirty="0" err="1">
+                <a:solidFill>
+                  <a:srgbClr val="404040"/>
+                </a:solidFill>
+                <a:latin typeface="Times New Roman" panose="02020603050405020304" pitchFamily="18" charset="0"/>
+              </a:rPr>
+              <a:t>methodName</a:t>
+            </a:r>
+            <a:r>
+              <a:rPr lang="en-US" dirty="0">
+                <a:solidFill>
+                  <a:srgbClr val="404040"/>
+                </a:solidFill>
+                <a:latin typeface="Times New Roman" panose="02020603050405020304" pitchFamily="18" charset="0"/>
+              </a:rPr>
+              <a:t> / </a:t>
+            </a:r>
+            <a:r>
+              <a:rPr lang="en-US" dirty="0" err="1">
+                <a:solidFill>
+                  <a:srgbClr val="404040"/>
+                </a:solidFill>
+                <a:latin typeface="Times New Roman" panose="02020603050405020304" pitchFamily="18" charset="0"/>
+              </a:rPr>
+              <a:t>constructorName</a:t>
+            </a:r>
+            <a:r>
+              <a:rPr lang="en-US" dirty="0">
+                <a:solidFill>
+                  <a:srgbClr val="404040"/>
+                </a:solidFill>
+                <a:latin typeface="Times New Roman" panose="02020603050405020304" pitchFamily="18" charset="0"/>
+              </a:rPr>
+              <a:t>:</a:t>
+            </a:r>
+          </a:p>
+          <a:p>
+            <a:pPr marL="457200" lvl="1" indent="0" algn="just">
+              <a:buNone/>
+            </a:pPr>
+            <a:r>
+              <a:rPr lang="en-US" dirty="0">
+                <a:solidFill>
+                  <a:srgbClr val="404040"/>
+                </a:solidFill>
+                <a:latin typeface="Times New Roman" panose="02020603050405020304" pitchFamily="18" charset="0"/>
+              </a:rPr>
+              <a:t>3. With </a:t>
+            </a:r>
+            <a:r>
+              <a:rPr lang="en-US" dirty="0" err="1">
+                <a:solidFill>
+                  <a:srgbClr val="404040"/>
+                </a:solidFill>
+                <a:latin typeface="Times New Roman" panose="02020603050405020304" pitchFamily="18" charset="0"/>
+              </a:rPr>
+              <a:t>variableName</a:t>
+            </a:r>
+            <a:r>
+              <a:rPr lang="en-US" dirty="0">
+                <a:solidFill>
+                  <a:srgbClr val="404040"/>
+                </a:solidFill>
+                <a:latin typeface="Times New Roman" panose="02020603050405020304" pitchFamily="18" charset="0"/>
+              </a:rPr>
+              <a:t>;</a:t>
+            </a:r>
+          </a:p>
+          <a:p>
+            <a:pPr marL="457200" lvl="1" indent="0" algn="just">
+              <a:buNone/>
+            </a:pPr>
+            <a:r>
+              <a:rPr lang="en-US" dirty="0">
+                <a:solidFill>
+                  <a:srgbClr val="404040"/>
+                </a:solidFill>
+                <a:latin typeface="Times New Roman" panose="02020603050405020304" pitchFamily="18" charset="0"/>
+              </a:rPr>
+              <a:t>4. With method or constructor parameters.</a:t>
+            </a:r>
+          </a:p>
+          <a:p>
+            <a:pPr marL="457200" lvl="1" indent="0" algn="just">
+              <a:buNone/>
+            </a:pPr>
+            <a:endParaRPr lang="en-US" dirty="0">
+              <a:solidFill>
+                <a:srgbClr val="404040"/>
+              </a:solidFill>
+              <a:latin typeface="Times New Roman" panose="02020603050405020304" pitchFamily="18" charset="0"/>
+            </a:endParaRPr>
+          </a:p>
+          <a:p>
+            <a:pPr marL="457200" lvl="1" indent="0" algn="just">
+              <a:buNone/>
+            </a:pPr>
+            <a:endParaRPr lang="en-US" dirty="0">
+              <a:solidFill>
+                <a:srgbClr val="404040"/>
+              </a:solidFill>
+              <a:latin typeface="Times New Roman" panose="02020603050405020304" pitchFamily="18" charset="0"/>
+            </a:endParaRPr>
+          </a:p>
+          <a:p>
+            <a:pPr marL="457200" lvl="1" indent="0" algn="just">
+              <a:buNone/>
+            </a:pPr>
             <a:endParaRPr lang="en-US" dirty="0"/>
           </a:p>
         </p:txBody>
@@ -3783,7 +3744,7 @@
     </p:spTree>
     <p:extLst>
       <p:ext uri="{BB962C8B-B14F-4D97-AF65-F5344CB8AC3E}">
-        <p14:creationId xmlns:p14="http://schemas.microsoft.com/office/powerpoint/2010/main" val="1228864818"/>
+        <p14:creationId xmlns:p14="http://schemas.microsoft.com/office/powerpoint/2010/main" val="1716809677"/>
       </p:ext>
     </p:extLst>
   </p:cSld>
@@ -3815,7 +3776,7 @@
           <p:cNvPr id="2" name="Title 1">
             <a:extLst>
               <a:ext uri="{FF2B5EF4-FFF2-40B4-BE49-F238E27FC236}">
-                <a16:creationId xmlns:a16="http://schemas.microsoft.com/office/drawing/2014/main" id="{CC5915E4-36AF-4F00-891F-1B390EE11D54}"/>
+                <a16:creationId xmlns:a16="http://schemas.microsoft.com/office/drawing/2014/main" id="{4F59B5A0-AB24-4C1D-BF70-16D1B3B00EC4}"/>
               </a:ext>
             </a:extLst>
           </p:cNvPr>
@@ -3833,7 +3794,7 @@
           <a:p>
             <a:r>
               <a:rPr lang="en-US" dirty="0"/>
-              <a:t>Identifier Tips</a:t>
+              <a:t>Identifier Rules</a:t>
             </a:r>
           </a:p>
         </p:txBody>
@@ -3843,7 +3804,7 @@
           <p:cNvPr id="3" name="Content Placeholder 2">
             <a:extLst>
               <a:ext uri="{FF2B5EF4-FFF2-40B4-BE49-F238E27FC236}">
-                <a16:creationId xmlns:a16="http://schemas.microsoft.com/office/drawing/2014/main" id="{5FB88624-E766-493E-A9D9-8A3CB91CD4AA}"/>
+                <a16:creationId xmlns:a16="http://schemas.microsoft.com/office/drawing/2014/main" id="{804C763A-4962-4FC4-B2FC-63D64B7E5727}"/>
               </a:ext>
             </a:extLst>
           </p:cNvPr>
@@ -3856,46 +3817,72 @@
         </p:nvSpPr>
         <p:spPr/>
         <p:txBody>
-          <a:bodyPr/>
-          <a:lstStyle/>
-          <a:p>
-            <a:r>
-              <a:rPr lang="en-US" dirty="0"/>
-              <a:t>Always use </a:t>
-            </a:r>
+          <a:bodyPr>
+            <a:normAutofit lnSpcReduction="10000"/>
+          </a:bodyPr>
+          <a:lstStyle/>
+          <a:p>
             <a:r>
               <a:rPr lang="en-US" b="1" dirty="0"/>
-              <a:t>readable names for identifiers</a:t>
-            </a:r>
-            <a:r>
-              <a:rPr lang="en-US" dirty="0"/>
-              <a:t>. </a:t>
-            </a:r>
-          </a:p>
-          <a:p>
-            <a:r>
-              <a:rPr lang="en-US" dirty="0"/>
-              <a:t>For example a person called </a:t>
-            </a:r>
+              <a:t>Case sensitive: </a:t>
+            </a:r>
+          </a:p>
+          <a:p>
+            <a:r>
+              <a:rPr lang="en-US" dirty="0"/>
+              <a:t>Example: int age = 10;  int Age = 10; Both are different.</a:t>
+            </a:r>
+          </a:p>
+          <a:p>
             <a:r>
               <a:rPr lang="en-US" b="1" dirty="0"/>
-              <a:t>john doe </a:t>
-            </a:r>
-            <a:r>
-              <a:rPr lang="en-US" dirty="0"/>
-              <a:t>has </a:t>
+              <a:t>Starts with letter: </a:t>
+            </a:r>
+          </a:p>
+          <a:p>
+            <a:r>
+              <a:rPr lang="en-US" dirty="0"/>
+              <a:t>Example:  int a15 = 100; (valid) , int 13y = 45;</a:t>
+            </a:r>
+          </a:p>
+          <a:p>
+            <a:r>
+              <a:rPr lang="en-US" b="1" dirty="0"/>
+              <a:t>Can’t be a java keyword</a:t>
+            </a:r>
+          </a:p>
+          <a:p>
+            <a:r>
+              <a:rPr lang="en-US" dirty="0"/>
+              <a:t>Example: int static = 10; (invalid)</a:t>
+            </a:r>
+          </a:p>
+          <a:p>
+            <a:r>
+              <a:rPr lang="en-US" b="1" dirty="0"/>
+              <a:t>Can be made up of upper- or lowercase letters, numerals, underscore characters ( ), and dollar signs ( $ ). </a:t>
+            </a:r>
+          </a:p>
+          <a:p>
+            <a:r>
+              <a:rPr lang="en-US" b="1" dirty="0"/>
+              <a:t>Example: </a:t>
+            </a:r>
+            <a:r>
+              <a:rPr lang="en-US" dirty="0"/>
+              <a:t>names such as Port1, </a:t>
             </a:r>
             <a:r>
               <a:rPr lang="en-US" dirty="0" err="1"/>
-              <a:t>firstname</a:t>
-            </a:r>
-            <a:r>
-              <a:rPr lang="en-US" dirty="0"/>
-              <a:t> &amp; </a:t>
+              <a:t>SalesTax</a:t>
+            </a:r>
+            <a:r>
+              <a:rPr lang="en-US" dirty="0"/>
+              <a:t>$, and </a:t>
             </a:r>
             <a:r>
               <a:rPr lang="en-US" dirty="0" err="1"/>
-              <a:t>lastname</a:t>
+              <a:t>Total_Sales</a:t>
             </a:r>
             <a:r>
               <a:rPr lang="en-US" dirty="0"/>
@@ -3903,51 +3890,17 @@
             </a:r>
           </a:p>
           <a:p>
-            <a:r>
-              <a:rPr lang="en-US" sz="4400" b="1" dirty="0"/>
-              <a:t>Bad practice:</a:t>
-            </a:r>
-          </a:p>
-          <a:p>
-            <a:r>
-              <a:rPr lang="en-US" dirty="0"/>
-              <a:t>Example: String x = “john”; String y = “doe”;</a:t>
-            </a:r>
-          </a:p>
-          <a:p>
-            <a:r>
-              <a:rPr lang="en-US" b="1" dirty="0"/>
-              <a:t>Good practice:</a:t>
-            </a:r>
-          </a:p>
-          <a:p>
-            <a:r>
-              <a:rPr lang="en-US" dirty="0"/>
-              <a:t>String </a:t>
-            </a:r>
-            <a:r>
-              <a:rPr lang="en-US" dirty="0" err="1"/>
-              <a:t>firstname</a:t>
-            </a:r>
-            <a:r>
-              <a:rPr lang="en-US" dirty="0"/>
-              <a:t> = “john”; String </a:t>
-            </a:r>
-            <a:r>
-              <a:rPr lang="en-US" dirty="0" err="1"/>
-              <a:t>lastname</a:t>
-            </a:r>
-            <a:r>
-              <a:rPr lang="en-US" dirty="0"/>
-              <a:t> = “doe”</a:t>
-            </a:r>
+            <a:endParaRPr lang="en-US" dirty="0"/>
+          </a:p>
+          <a:p>
+            <a:endParaRPr lang="en-US" dirty="0"/>
           </a:p>
         </p:txBody>
       </p:sp>
     </p:spTree>
     <p:extLst>
       <p:ext uri="{BB962C8B-B14F-4D97-AF65-F5344CB8AC3E}">
-        <p14:creationId xmlns:p14="http://schemas.microsoft.com/office/powerpoint/2010/main" val="3382480915"/>
+        <p14:creationId xmlns:p14="http://schemas.microsoft.com/office/powerpoint/2010/main" val="1228864818"/>
       </p:ext>
     </p:extLst>
   </p:cSld>
@@ -3979,7 +3932,7 @@
           <p:cNvPr id="2" name="Title 1">
             <a:extLst>
               <a:ext uri="{FF2B5EF4-FFF2-40B4-BE49-F238E27FC236}">
-                <a16:creationId xmlns:a16="http://schemas.microsoft.com/office/drawing/2014/main" id="{C994ED4D-288E-482B-9301-C07EA562FE05}"/>
+                <a16:creationId xmlns:a16="http://schemas.microsoft.com/office/drawing/2014/main" id="{CC5915E4-36AF-4F00-891F-1B390EE11D54}"/>
               </a:ext>
             </a:extLst>
           </p:cNvPr>
@@ -3997,7 +3950,7 @@
           <a:p>
             <a:r>
               <a:rPr lang="en-US" dirty="0"/>
-              <a:t>Keyword Tips</a:t>
+              <a:t>Identifier Tips</a:t>
             </a:r>
           </a:p>
         </p:txBody>
@@ -4007,7 +3960,7 @@
           <p:cNvPr id="3" name="Content Placeholder 2">
             <a:extLst>
               <a:ext uri="{FF2B5EF4-FFF2-40B4-BE49-F238E27FC236}">
-                <a16:creationId xmlns:a16="http://schemas.microsoft.com/office/drawing/2014/main" id="{BD7BC5A0-FFD3-409D-94FF-772DC247A4AA}"/>
+                <a16:creationId xmlns:a16="http://schemas.microsoft.com/office/drawing/2014/main" id="{5FB88624-E766-493E-A9D9-8A3CB91CD4AA}"/>
               </a:ext>
             </a:extLst>
           </p:cNvPr>
@@ -4025,19 +3978,85 @@
           <a:p>
             <a:r>
               <a:rPr lang="en-US" dirty="0"/>
-              <a:t>All keywords in java are lowercase. And they are also case-sensitive.</a:t>
-            </a:r>
-          </a:p>
-          <a:p>
-            <a:r>
-              <a:rPr lang="en-US" dirty="0"/>
-              <a:t>if : is a valid keyword</a:t>
-            </a:r>
-          </a:p>
-          <a:p>
-            <a:r>
-              <a:rPr lang="en-US" dirty="0"/>
-              <a:t>IF : is not a valid keyword</a:t>
+              <a:t>Always use </a:t>
+            </a:r>
+            <a:r>
+              <a:rPr lang="en-US" b="1" dirty="0"/>
+              <a:t>readable names for identifiers</a:t>
+            </a:r>
+            <a:r>
+              <a:rPr lang="en-US" dirty="0"/>
+              <a:t>. </a:t>
+            </a:r>
+          </a:p>
+          <a:p>
+            <a:r>
+              <a:rPr lang="en-US" dirty="0"/>
+              <a:t>For example a person called </a:t>
+            </a:r>
+            <a:r>
+              <a:rPr lang="en-US" b="1" dirty="0"/>
+              <a:t>john doe </a:t>
+            </a:r>
+            <a:r>
+              <a:rPr lang="en-US" dirty="0"/>
+              <a:t>has </a:t>
+            </a:r>
+            <a:r>
+              <a:rPr lang="en-US" dirty="0" err="1"/>
+              <a:t>firstname</a:t>
+            </a:r>
+            <a:r>
+              <a:rPr lang="en-US" dirty="0"/>
+              <a:t> &amp; </a:t>
+            </a:r>
+            <a:r>
+              <a:rPr lang="en-US" dirty="0" err="1"/>
+              <a:t>lastname</a:t>
+            </a:r>
+            <a:r>
+              <a:rPr lang="en-US" dirty="0"/>
+              <a:t>.</a:t>
+            </a:r>
+          </a:p>
+          <a:p>
+            <a:r>
+              <a:rPr lang="en-US" sz="4400" b="1" dirty="0"/>
+              <a:t>Bad practice:</a:t>
+            </a:r>
+          </a:p>
+          <a:p>
+            <a:r>
+              <a:rPr lang="en-US" dirty="0"/>
+              <a:t>Example: String x = “john”; String y = “doe”;</a:t>
+            </a:r>
+          </a:p>
+          <a:p>
+            <a:r>
+              <a:rPr lang="en-US" b="1" dirty="0"/>
+              <a:t>Good practice:</a:t>
+            </a:r>
+          </a:p>
+          <a:p>
+            <a:r>
+              <a:rPr lang="en-US" dirty="0"/>
+              <a:t>String </a:t>
+            </a:r>
+            <a:r>
+              <a:rPr lang="en-US" dirty="0" err="1"/>
+              <a:t>firstname</a:t>
+            </a:r>
+            <a:r>
+              <a:rPr lang="en-US" dirty="0"/>
+              <a:t> = “john”; String </a:t>
+            </a:r>
+            <a:r>
+              <a:rPr lang="en-US" dirty="0" err="1"/>
+              <a:t>lastname</a:t>
+            </a:r>
+            <a:r>
+              <a:rPr lang="en-US" dirty="0"/>
+              <a:t> = “doe”</a:t>
             </a:r>
           </a:p>
         </p:txBody>
@@ -4045,7 +4064,7 @@
     </p:spTree>
     <p:extLst>
       <p:ext uri="{BB962C8B-B14F-4D97-AF65-F5344CB8AC3E}">
-        <p14:creationId xmlns:p14="http://schemas.microsoft.com/office/powerpoint/2010/main" val="667668359"/>
+        <p14:creationId xmlns:p14="http://schemas.microsoft.com/office/powerpoint/2010/main" val="3382480915"/>
       </p:ext>
     </p:extLst>
   </p:cSld>
@@ -4077,6 +4096,200 @@
           <p:cNvPr id="2" name="Title 1">
             <a:extLst>
               <a:ext uri="{FF2B5EF4-FFF2-40B4-BE49-F238E27FC236}">
+                <a16:creationId xmlns:a16="http://schemas.microsoft.com/office/drawing/2014/main" id="{C994ED4D-288E-482B-9301-C07EA562FE05}"/>
+              </a:ext>
+            </a:extLst>
+          </p:cNvPr>
+          <p:cNvSpPr>
+            <a:spLocks noGrp="1"/>
+          </p:cNvSpPr>
+          <p:nvPr>
+            <p:ph type="title"/>
+          </p:nvPr>
+        </p:nvSpPr>
+        <p:spPr/>
+        <p:txBody>
+          <a:bodyPr/>
+          <a:lstStyle/>
+          <a:p>
+            <a:r>
+              <a:rPr lang="en-US" dirty="0"/>
+              <a:t>Keyword Tips</a:t>
+            </a:r>
+          </a:p>
+        </p:txBody>
+      </p:sp>
+      <p:sp>
+        <p:nvSpPr>
+          <p:cNvPr id="3" name="Content Placeholder 2">
+            <a:extLst>
+              <a:ext uri="{FF2B5EF4-FFF2-40B4-BE49-F238E27FC236}">
+                <a16:creationId xmlns:a16="http://schemas.microsoft.com/office/drawing/2014/main" id="{BD7BC5A0-FFD3-409D-94FF-772DC247A4AA}"/>
+              </a:ext>
+            </a:extLst>
+          </p:cNvPr>
+          <p:cNvSpPr>
+            <a:spLocks noGrp="1"/>
+          </p:cNvSpPr>
+          <p:nvPr>
+            <p:ph idx="1"/>
+          </p:nvPr>
+        </p:nvSpPr>
+        <p:spPr/>
+        <p:txBody>
+          <a:bodyPr/>
+          <a:lstStyle/>
+          <a:p>
+            <a:r>
+              <a:rPr lang="en-US" dirty="0"/>
+              <a:t>All keywords in java are lowercase. And they are also case-sensitive.</a:t>
+            </a:r>
+          </a:p>
+          <a:p>
+            <a:r>
+              <a:rPr lang="en-US" dirty="0"/>
+              <a:t>if : is a valid keyword</a:t>
+            </a:r>
+          </a:p>
+          <a:p>
+            <a:r>
+              <a:rPr lang="en-US" dirty="0"/>
+              <a:t>IF : is not a valid keyword</a:t>
+            </a:r>
+          </a:p>
+        </p:txBody>
+      </p:sp>
+    </p:spTree>
+    <p:extLst>
+      <p:ext uri="{BB962C8B-B14F-4D97-AF65-F5344CB8AC3E}">
+        <p14:creationId xmlns:p14="http://schemas.microsoft.com/office/powerpoint/2010/main" val="667668359"/>
+      </p:ext>
+    </p:extLst>
+  </p:cSld>
+  <p:clrMapOvr>
+    <a:masterClrMapping/>
+  </p:clrMapOvr>
+</p:sld>
+</file>
+
+<file path=ppt/slides/slide15.xml><?xml version="1.0" encoding="utf-8"?>
+<p:sld xmlns:a="http://schemas.openxmlformats.org/drawingml/2006/main" xmlns:r="http://schemas.openxmlformats.org/officeDocument/2006/relationships" xmlns:p="http://schemas.openxmlformats.org/presentationml/2006/main">
+  <p:cSld>
+    <p:spTree>
+      <p:nvGrpSpPr>
+        <p:cNvPr id="1" name=""/>
+        <p:cNvGrpSpPr/>
+        <p:nvPr/>
+      </p:nvGrpSpPr>
+      <p:grpSpPr>
+        <a:xfrm>
+          <a:off x="0" y="0"/>
+          <a:ext cx="0" cy="0"/>
+          <a:chOff x="0" y="0"/>
+          <a:chExt cx="0" cy="0"/>
+        </a:xfrm>
+      </p:grpSpPr>
+      <p:sp>
+        <p:nvSpPr>
+          <p:cNvPr id="2" name="Title 1">
+            <a:extLst>
+              <a:ext uri="{FF2B5EF4-FFF2-40B4-BE49-F238E27FC236}">
+                <a16:creationId xmlns:a16="http://schemas.microsoft.com/office/drawing/2014/main" id="{4FFC0790-56EE-4F7F-A0B3-591E339E6BB9}"/>
+              </a:ext>
+            </a:extLst>
+          </p:cNvPr>
+          <p:cNvSpPr>
+            <a:spLocks noGrp="1"/>
+          </p:cNvSpPr>
+          <p:nvPr>
+            <p:ph type="title"/>
+          </p:nvPr>
+        </p:nvSpPr>
+        <p:spPr/>
+        <p:txBody>
+          <a:bodyPr/>
+          <a:lstStyle/>
+          <a:p>
+            <a:r>
+              <a:rPr lang="en-US" dirty="0" err="1"/>
+              <a:t>Intellij</a:t>
+            </a:r>
+            <a:r>
+              <a:rPr lang="en-US" dirty="0"/>
+              <a:t> Shortcut</a:t>
+            </a:r>
+          </a:p>
+        </p:txBody>
+      </p:sp>
+      <p:sp>
+        <p:nvSpPr>
+          <p:cNvPr id="3" name="Content Placeholder 2">
+            <a:extLst>
+              <a:ext uri="{FF2B5EF4-FFF2-40B4-BE49-F238E27FC236}">
+                <a16:creationId xmlns:a16="http://schemas.microsoft.com/office/drawing/2014/main" id="{4950B1CE-10F9-4411-B222-382675F59AF2}"/>
+              </a:ext>
+            </a:extLst>
+          </p:cNvPr>
+          <p:cNvSpPr>
+            <a:spLocks noGrp="1"/>
+          </p:cNvSpPr>
+          <p:nvPr>
+            <p:ph idx="1"/>
+          </p:nvPr>
+        </p:nvSpPr>
+        <p:spPr/>
+        <p:txBody>
+          <a:bodyPr/>
+          <a:lstStyle/>
+          <a:p>
+            <a:r>
+              <a:rPr lang="en-US" dirty="0"/>
+              <a:t> max, min panel : ctrl shift f12</a:t>
+            </a:r>
+          </a:p>
+          <a:p>
+            <a:r>
+              <a:rPr lang="en-US" dirty="0"/>
+              <a:t> code formatting: ctrl alt l</a:t>
+            </a:r>
+          </a:p>
+        </p:txBody>
+      </p:sp>
+    </p:spTree>
+    <p:extLst>
+      <p:ext uri="{BB962C8B-B14F-4D97-AF65-F5344CB8AC3E}">
+        <p14:creationId xmlns:p14="http://schemas.microsoft.com/office/powerpoint/2010/main" val="2834332292"/>
+      </p:ext>
+    </p:extLst>
+  </p:cSld>
+  <p:clrMapOvr>
+    <a:masterClrMapping/>
+  </p:clrMapOvr>
+</p:sld>
+</file>
+
+<file path=ppt/slides/slide16.xml><?xml version="1.0" encoding="utf-8"?>
+<p:sld xmlns:a="http://schemas.openxmlformats.org/drawingml/2006/main" xmlns:r="http://schemas.openxmlformats.org/officeDocument/2006/relationships" xmlns:p="http://schemas.openxmlformats.org/presentationml/2006/main">
+  <p:cSld>
+    <p:spTree>
+      <p:nvGrpSpPr>
+        <p:cNvPr id="1" name=""/>
+        <p:cNvGrpSpPr/>
+        <p:nvPr/>
+      </p:nvGrpSpPr>
+      <p:grpSpPr>
+        <a:xfrm>
+          <a:off x="0" y="0"/>
+          <a:ext cx="0" cy="0"/>
+          <a:chOff x="0" y="0"/>
+          <a:chExt cx="0" cy="0"/>
+        </a:xfrm>
+      </p:grpSpPr>
+      <p:sp>
+        <p:nvSpPr>
+          <p:cNvPr id="2" name="Title 1">
+            <a:extLst>
+              <a:ext uri="{FF2B5EF4-FFF2-40B4-BE49-F238E27FC236}">
                 <a16:creationId xmlns:a16="http://schemas.microsoft.com/office/drawing/2014/main" id="{E43F904D-33D7-4F34-90A1-B07CEB2DA439}"/>
               </a:ext>
             </a:extLst>
@@ -4168,7 +4381,7 @@
 </p:sld>
 </file>
 
-<file path=ppt/slides/slide15.xml><?xml version="1.0" encoding="utf-8"?>
+<file path=ppt/slides/slide17.xml><?xml version="1.0" encoding="utf-8"?>
 <p:sld xmlns:a="http://schemas.openxmlformats.org/drawingml/2006/main" xmlns:r="http://schemas.openxmlformats.org/officeDocument/2006/relationships" xmlns:p="http://schemas.openxmlformats.org/presentationml/2006/main">
   <p:cSld>
     <p:spTree>
@@ -4508,7 +4721,7 @@
           <a:p>
             <a:r>
               <a:rPr lang="en-US" dirty="0"/>
-              <a:t>Customer c = new Customer(); // this is object</a:t>
+              <a:t>Customer c = new Customer(); // this is object, don’t discuss about this now</a:t>
             </a:r>
           </a:p>
         </p:txBody>
@@ -4845,7 +5058,7 @@
             </a:r>
             <a:r>
               <a:rPr lang="en-US" b="1" dirty="0"/>
-              <a:t>while</a:t>
+              <a:t>while;</a:t>
             </a:r>
           </a:p>
           <a:p>
@@ -5144,7 +5357,12 @@
             <p:ph idx="1"/>
           </p:nvPr>
         </p:nvSpPr>
-        <p:spPr/>
+        <p:spPr>
+          <a:xfrm>
+            <a:off x="666750" y="1616075"/>
+            <a:ext cx="10515600" cy="4351338"/>
+          </a:xfrm>
+        </p:spPr>
         <p:txBody>
           <a:bodyPr>
             <a:normAutofit lnSpcReduction="10000"/>
@@ -5155,7 +5373,7 @@
               <a:buNone/>
             </a:pPr>
             <a:r>
-              <a:rPr lang="en-US" dirty="0"/>
+              <a:rPr lang="en-US" b="1" dirty="0"/>
               <a:t>static // any block starts with static keyword</a:t>
             </a:r>
           </a:p>
@@ -5164,7 +5382,7 @@
               <a:buNone/>
             </a:pPr>
             <a:r>
-              <a:rPr lang="en-US" dirty="0"/>
+              <a:rPr lang="en-US" b="1" dirty="0"/>
               <a:t>{</a:t>
             </a:r>
           </a:p>
@@ -5173,7 +5391,7 @@
               <a:buNone/>
             </a:pPr>
             <a:r>
-              <a:rPr lang="en-US" dirty="0"/>
+              <a:rPr lang="en-US" b="1" dirty="0"/>
               <a:t>  statement1;</a:t>
             </a:r>
           </a:p>
@@ -5182,7 +5400,7 @@
               <a:buNone/>
             </a:pPr>
             <a:r>
-              <a:rPr lang="en-US" dirty="0"/>
+              <a:rPr lang="en-US" b="1" dirty="0"/>
               <a:t>  statement2;</a:t>
             </a:r>
           </a:p>
@@ -5191,7 +5409,7 @@
               <a:buNone/>
             </a:pPr>
             <a:r>
-              <a:rPr lang="en-US" dirty="0"/>
+              <a:rPr lang="en-US" b="1" dirty="0"/>
               <a:t>  [you can write any valid statement]</a:t>
             </a:r>
           </a:p>
@@ -5200,7 +5418,7 @@
               <a:buNone/>
             </a:pPr>
             <a:r>
-              <a:rPr lang="en-US" dirty="0"/>
+              <a:rPr lang="en-US" b="1" dirty="0"/>
               <a:t>}</a:t>
             </a:r>
           </a:p>
@@ -5215,7 +5433,7 @@
               <a:buNone/>
             </a:pPr>
             <a:r>
-              <a:rPr lang="en-US" dirty="0"/>
+              <a:rPr lang="en-US" b="1" dirty="0"/>
               <a:t>Static block executes when the class gets loaded.</a:t>
             </a:r>
           </a:p>
@@ -5324,7 +5542,7 @@
               <a:buNone/>
             </a:pPr>
             <a:r>
-              <a:rPr lang="en-US" dirty="0"/>
+              <a:rPr lang="en-US" b="1" dirty="0"/>
               <a:t>{</a:t>
             </a:r>
           </a:p>
@@ -5333,7 +5551,7 @@
               <a:buNone/>
             </a:pPr>
             <a:r>
-              <a:rPr lang="en-US" dirty="0"/>
+              <a:rPr lang="en-US" b="1" dirty="0"/>
               <a:t>  statement1;</a:t>
             </a:r>
           </a:p>
@@ -5342,7 +5560,7 @@
               <a:buNone/>
             </a:pPr>
             <a:r>
-              <a:rPr lang="en-US" dirty="0"/>
+              <a:rPr lang="en-US" b="1" dirty="0"/>
               <a:t>  statement2;</a:t>
             </a:r>
           </a:p>
@@ -5351,7 +5569,7 @@
               <a:buNone/>
             </a:pPr>
             <a:r>
-              <a:rPr lang="en-US" dirty="0"/>
+              <a:rPr lang="en-US" b="1" dirty="0"/>
               <a:t>  [you can write any valid statement]</a:t>
             </a:r>
           </a:p>
@@ -5360,7 +5578,7 @@
               <a:buNone/>
             </a:pPr>
             <a:r>
-              <a:rPr lang="en-US" dirty="0"/>
+              <a:rPr lang="en-US" b="1" dirty="0"/>
               <a:t>}</a:t>
             </a:r>
           </a:p>
@@ -5369,8 +5587,8 @@
               <a:buNone/>
             </a:pPr>
             <a:r>
-              <a:rPr lang="en-US" dirty="0"/>
-              <a:t>Every time we create an object the instance block executed.</a:t>
+              <a:rPr lang="en-US" b="1" dirty="0"/>
+              <a:t>Every time we create an object, the instance block executed.</a:t>
             </a:r>
           </a:p>
           <a:p>
